--- a/New_version/Copy_of_CNOP1/compare/plot_conop1.pptx
+++ b/New_version/Copy_of_CNOP1/compare/plot_conop1.pptx
@@ -12,6 +12,7 @@
     <p:sldId id="260" r:id="rId6"/>
     <p:sldId id="261" r:id="rId7"/>
     <p:sldId id="262" r:id="rId8"/>
+    <p:sldId id="263" r:id="rId9"/>
   </p:sldIdLst>
   <p:sldSz cx="12192000" cy="6858000"/>
   <p:notesSz cx="6858000" cy="9144000"/>
@@ -110,6 +111,11 @@
       </a:defRPr>
     </a:lvl9pPr>
   </p:defaultTextStyle>
+  <p:extLst>
+    <p:ext uri="{EFAFB233-063F-42B5-8137-9DF3F51BA10A}">
+      <p15:sldGuideLst xmlns:p15="http://schemas.microsoft.com/office/powerpoint/2012/main"/>
+    </p:ext>
+  </p:extLst>
 </p:presentation>
 </file>
 
@@ -260,7 +266,7 @@
           <a:p>
             <a:fld id="{31D413BC-F02E-E549-BF57-8ADABA443617}" type="datetimeFigureOut">
               <a:rPr lang="en-US" smtClean="0"/>
-              <a:t>6/5/23</a:t>
+              <a:t>1/4/2024</a:t>
             </a:fld>
             <a:endParaRPr lang="en-US"/>
           </a:p>
@@ -458,7 +464,7 @@
           <a:p>
             <a:fld id="{31D413BC-F02E-E549-BF57-8ADABA443617}" type="datetimeFigureOut">
               <a:rPr lang="en-US" smtClean="0"/>
-              <a:t>6/5/23</a:t>
+              <a:t>1/4/2024</a:t>
             </a:fld>
             <a:endParaRPr lang="en-US"/>
           </a:p>
@@ -666,7 +672,7 @@
           <a:p>
             <a:fld id="{31D413BC-F02E-E549-BF57-8ADABA443617}" type="datetimeFigureOut">
               <a:rPr lang="en-US" smtClean="0"/>
-              <a:t>6/5/23</a:t>
+              <a:t>1/4/2024</a:t>
             </a:fld>
             <a:endParaRPr lang="en-US"/>
           </a:p>
@@ -864,7 +870,7 @@
           <a:p>
             <a:fld id="{31D413BC-F02E-E549-BF57-8ADABA443617}" type="datetimeFigureOut">
               <a:rPr lang="en-US" smtClean="0"/>
-              <a:t>6/5/23</a:t>
+              <a:t>1/4/2024</a:t>
             </a:fld>
             <a:endParaRPr lang="en-US"/>
           </a:p>
@@ -1139,7 +1145,7 @@
           <a:p>
             <a:fld id="{31D413BC-F02E-E549-BF57-8ADABA443617}" type="datetimeFigureOut">
               <a:rPr lang="en-US" smtClean="0"/>
-              <a:t>6/5/23</a:t>
+              <a:t>1/4/2024</a:t>
             </a:fld>
             <a:endParaRPr lang="en-US"/>
           </a:p>
@@ -1404,7 +1410,7 @@
           <a:p>
             <a:fld id="{31D413BC-F02E-E549-BF57-8ADABA443617}" type="datetimeFigureOut">
               <a:rPr lang="en-US" smtClean="0"/>
-              <a:t>6/5/23</a:t>
+              <a:t>1/4/2024</a:t>
             </a:fld>
             <a:endParaRPr lang="en-US"/>
           </a:p>
@@ -1816,7 +1822,7 @@
           <a:p>
             <a:fld id="{31D413BC-F02E-E549-BF57-8ADABA443617}" type="datetimeFigureOut">
               <a:rPr lang="en-US" smtClean="0"/>
-              <a:t>6/5/23</a:t>
+              <a:t>1/4/2024</a:t>
             </a:fld>
             <a:endParaRPr lang="en-US"/>
           </a:p>
@@ -1957,7 +1963,7 @@
           <a:p>
             <a:fld id="{31D413BC-F02E-E549-BF57-8ADABA443617}" type="datetimeFigureOut">
               <a:rPr lang="en-US" smtClean="0"/>
-              <a:t>6/5/23</a:t>
+              <a:t>1/4/2024</a:t>
             </a:fld>
             <a:endParaRPr lang="en-US"/>
           </a:p>
@@ -2070,7 +2076,7 @@
           <a:p>
             <a:fld id="{31D413BC-F02E-E549-BF57-8ADABA443617}" type="datetimeFigureOut">
               <a:rPr lang="en-US" smtClean="0"/>
-              <a:t>6/5/23</a:t>
+              <a:t>1/4/2024</a:t>
             </a:fld>
             <a:endParaRPr lang="en-US"/>
           </a:p>
@@ -2381,7 +2387,7 @@
           <a:p>
             <a:fld id="{31D413BC-F02E-E549-BF57-8ADABA443617}" type="datetimeFigureOut">
               <a:rPr lang="en-US" smtClean="0"/>
-              <a:t>6/5/23</a:t>
+              <a:t>1/4/2024</a:t>
             </a:fld>
             <a:endParaRPr lang="en-US"/>
           </a:p>
@@ -2669,7 +2675,7 @@
           <a:p>
             <a:fld id="{31D413BC-F02E-E549-BF57-8ADABA443617}" type="datetimeFigureOut">
               <a:rPr lang="en-US" smtClean="0"/>
-              <a:t>6/5/23</a:t>
+              <a:t>1/4/2024</a:t>
             </a:fld>
             <a:endParaRPr lang="en-US"/>
           </a:p>
@@ -2910,7 +2916,7 @@
           <a:p>
             <a:fld id="{31D413BC-F02E-E549-BF57-8ADABA443617}" type="datetimeFigureOut">
               <a:rPr lang="en-US" smtClean="0"/>
-              <a:t>6/5/23</a:t>
+              <a:t>1/4/2024</a:t>
             </a:fld>
             <a:endParaRPr lang="en-US"/>
           </a:p>
@@ -4608,6 +4614,210 @@
 </p:sld>
 </file>
 
+<file path=ppt/slides/slide8.xml><?xml version="1.0" encoding="utf-8"?>
+<p:sld xmlns:a="http://schemas.openxmlformats.org/drawingml/2006/main" xmlns:r="http://schemas.openxmlformats.org/officeDocument/2006/relationships" xmlns:p="http://schemas.openxmlformats.org/presentationml/2006/main">
+  <p:cSld>
+    <p:spTree>
+      <p:nvGrpSpPr>
+        <p:cNvPr id="1" name=""/>
+        <p:cNvGrpSpPr/>
+        <p:nvPr/>
+      </p:nvGrpSpPr>
+      <p:grpSpPr>
+        <a:xfrm>
+          <a:off x="0" y="0"/>
+          <a:ext cx="0" cy="0"/>
+          <a:chOff x="0" y="0"/>
+          <a:chExt cx="0" cy="0"/>
+        </a:xfrm>
+      </p:grpSpPr>
+      <p:grpSp>
+        <p:nvGrpSpPr>
+          <p:cNvPr id="27" name="Group 26">
+            <a:extLst>
+              <a:ext uri="{FF2B5EF4-FFF2-40B4-BE49-F238E27FC236}">
+                <a16:creationId xmlns:a16="http://schemas.microsoft.com/office/drawing/2014/main" id="{83525F50-BDA0-1E66-8F7E-D5EEDFCCFF61}"/>
+              </a:ext>
+            </a:extLst>
+          </p:cNvPr>
+          <p:cNvGrpSpPr/>
+          <p:nvPr/>
+        </p:nvGrpSpPr>
+        <p:grpSpPr>
+          <a:xfrm>
+            <a:off x="2540000" y="762000"/>
+            <a:ext cx="7112000" cy="5334000"/>
+            <a:chOff x="2540000" y="762000"/>
+            <a:chExt cx="7112000" cy="5334000"/>
+          </a:xfrm>
+        </p:grpSpPr>
+        <p:pic>
+          <p:nvPicPr>
+            <p:cNvPr id="22" name="Picture 21">
+              <a:extLst>
+                <a:ext uri="{FF2B5EF4-FFF2-40B4-BE49-F238E27FC236}">
+                  <a16:creationId xmlns:a16="http://schemas.microsoft.com/office/drawing/2014/main" id="{69C1F21F-EA1D-7823-3074-523A1B7F12DC}"/>
+                </a:ext>
+              </a:extLst>
+            </p:cNvPr>
+            <p:cNvPicPr>
+              <a:picLocks noChangeAspect="1"/>
+            </p:cNvPicPr>
+            <p:nvPr/>
+          </p:nvPicPr>
+          <p:blipFill>
+            <a:blip r:embed="rId2"/>
+            <a:stretch>
+              <a:fillRect/>
+            </a:stretch>
+          </p:blipFill>
+          <p:spPr>
+            <a:xfrm>
+              <a:off x="2540000" y="762000"/>
+              <a:ext cx="7112000" cy="5334000"/>
+            </a:xfrm>
+            <a:prstGeom prst="rect">
+              <a:avLst/>
+            </a:prstGeom>
+          </p:spPr>
+        </p:pic>
+        <p:pic>
+          <p:nvPicPr>
+            <p:cNvPr id="24" name="Picture 23">
+              <a:extLst>
+                <a:ext uri="{FF2B5EF4-FFF2-40B4-BE49-F238E27FC236}">
+                  <a16:creationId xmlns:a16="http://schemas.microsoft.com/office/drawing/2014/main" id="{781E579B-2A9A-D647-5D4D-1A368A51276C}"/>
+                </a:ext>
+              </a:extLst>
+            </p:cNvPr>
+            <p:cNvPicPr>
+              <a:picLocks noChangeAspect="1"/>
+            </p:cNvPicPr>
+            <p:nvPr/>
+          </p:nvPicPr>
+          <p:blipFill rotWithShape="1">
+            <a:blip r:embed="rId3"/>
+            <a:srcRect l="8555" t="25686" r="10754" b="25490"/>
+            <a:stretch/>
+          </p:blipFill>
+          <p:spPr>
+            <a:xfrm>
+              <a:off x="4476464" y="1988884"/>
+              <a:ext cx="3022510" cy="2366682"/>
+            </a:xfrm>
+            <a:prstGeom prst="rect">
+              <a:avLst/>
+            </a:prstGeom>
+          </p:spPr>
+        </p:pic>
+        <p:sp>
+          <p:nvSpPr>
+            <p:cNvPr id="25" name="Rectangle 24">
+              <a:extLst>
+                <a:ext uri="{FF2B5EF4-FFF2-40B4-BE49-F238E27FC236}">
+                  <a16:creationId xmlns:a16="http://schemas.microsoft.com/office/drawing/2014/main" id="{B381F6C0-0BDA-7C16-3AA3-27F25BD733A3}"/>
+                </a:ext>
+              </a:extLst>
+            </p:cNvPr>
+            <p:cNvSpPr/>
+            <p:nvPr/>
+          </p:nvSpPr>
+          <p:spPr>
+            <a:xfrm>
+              <a:off x="8422981" y="914400"/>
+              <a:ext cx="739588" cy="4515651"/>
+            </a:xfrm>
+            <a:prstGeom prst="rect">
+              <a:avLst/>
+            </a:prstGeom>
+            <a:noFill/>
+            <a:ln w="28575">
+              <a:solidFill>
+                <a:schemeClr val="tx1"/>
+              </a:solidFill>
+            </a:ln>
+          </p:spPr>
+          <p:style>
+            <a:lnRef idx="2">
+              <a:schemeClr val="accent1">
+                <a:shade val="15000"/>
+              </a:schemeClr>
+            </a:lnRef>
+            <a:fillRef idx="1">
+              <a:schemeClr val="accent1"/>
+            </a:fillRef>
+            <a:effectRef idx="0">
+              <a:schemeClr val="accent1"/>
+            </a:effectRef>
+            <a:fontRef idx="minor">
+              <a:schemeClr val="lt1"/>
+            </a:fontRef>
+          </p:style>
+          <p:txBody>
+            <a:bodyPr rtlCol="0" anchor="ctr"/>
+            <a:lstStyle/>
+            <a:p>
+              <a:pPr algn="ctr"/>
+              <a:endParaRPr lang="en-US"/>
+            </a:p>
+          </p:txBody>
+        </p:sp>
+        <p:cxnSp>
+          <p:nvCxnSpPr>
+            <p:cNvPr id="26" name="Straight Arrow Connector 25">
+              <a:extLst>
+                <a:ext uri="{FF2B5EF4-FFF2-40B4-BE49-F238E27FC236}">
+                  <a16:creationId xmlns:a16="http://schemas.microsoft.com/office/drawing/2014/main" id="{22C67EE5-EC51-DE9D-15F2-6B9BE3961248}"/>
+                </a:ext>
+              </a:extLst>
+            </p:cNvPr>
+            <p:cNvCxnSpPr/>
+            <p:nvPr/>
+          </p:nvCxnSpPr>
+          <p:spPr>
+            <a:xfrm flipH="1">
+              <a:off x="7498974" y="3574355"/>
+              <a:ext cx="869577" cy="151760"/>
+            </a:xfrm>
+            <a:prstGeom prst="straightConnector1">
+              <a:avLst/>
+            </a:prstGeom>
+            <a:ln w="28575">
+              <a:solidFill>
+                <a:schemeClr val="tx1"/>
+              </a:solidFill>
+              <a:tailEnd type="triangle"/>
+            </a:ln>
+          </p:spPr>
+          <p:style>
+            <a:lnRef idx="1">
+              <a:schemeClr val="accent1"/>
+            </a:lnRef>
+            <a:fillRef idx="0">
+              <a:schemeClr val="accent1"/>
+            </a:fillRef>
+            <a:effectRef idx="0">
+              <a:schemeClr val="accent1"/>
+            </a:effectRef>
+            <a:fontRef idx="minor">
+              <a:schemeClr val="tx1"/>
+            </a:fontRef>
+          </p:style>
+        </p:cxnSp>
+      </p:grpSp>
+    </p:spTree>
+    <p:extLst>
+      <p:ext uri="{BB962C8B-B14F-4D97-AF65-F5344CB8AC3E}">
+        <p14:creationId xmlns:p14="http://schemas.microsoft.com/office/powerpoint/2010/main" val="38659938"/>
+      </p:ext>
+    </p:extLst>
+  </p:cSld>
+  <p:clrMapOvr>
+    <a:masterClrMapping/>
+  </p:clrMapOvr>
+</p:sld>
+</file>
+
 <file path=ppt/theme/theme1.xml><?xml version="1.0" encoding="utf-8"?>
 <a:theme xmlns:a="http://schemas.openxmlformats.org/drawingml/2006/main" name="Office Theme">
   <a:themeElements>
